--- a/C-Course/Slides/Section0-ClassExpectations.pptx
+++ b/C-Course/Slides/Section0-ClassExpectations.pptx
@@ -250,8 +250,11 @@
     </a:lvl9pPr>
   </p:defaultTextStyle>
   <p:extLst>
+    <p:ext uri="{EFAFB233-063F-42B5-8137-9DF3F51BA10A}">
+      <p15:sldGuideLst xmlns:p15="http://schemas.microsoft.com/office/powerpoint/2012/main"/>
+    </p:ext>
     <p:ext uri="http://customooxmlschemas.google.com/">
-      <go:slidesCustomData xmlns:go="http://customooxmlschemas.google.com/" xmlns:ahyp="http://schemas.microsoft.com/office/drawing/2018/hyperlinkcolor" xmlns:p15="http://schemas.microsoft.com/office/powerpoint/2012/main" xmlns:p14="http://schemas.microsoft.com/office/powerpoint/2010/main" xmlns:com="http://schemas.openxmlformats.org/drawingml/2006/compatibility" xmlns:pvml="urn:schemas-microsoft-com:office:powerpoint" xmlns:v="urn:schemas-microsoft-com:vml" xmlns:o="urn:schemas-microsoft-com:office:office" xmlns:dgm="http://schemas.openxmlformats.org/drawingml/2006/diagram" xmlns:c="http://schemas.openxmlformats.org/drawingml/2006/chart" xmlns:mv="urn:schemas-microsoft-com:mac:vml" xmlns:mc="http://schemas.openxmlformats.org/markup-compatibility/2006" xmlns="" r:id="rId14" roundtripDataSignature="AMtx7miBJBNi69eqYfBhkiwceQ0L37VVSg=="/>
+      <go:slidesCustomData xmlns="" xmlns:mc="http://schemas.openxmlformats.org/markup-compatibility/2006" xmlns:mv="urn:schemas-microsoft-com:mac:vml" xmlns:c="http://schemas.openxmlformats.org/drawingml/2006/chart" xmlns:dgm="http://schemas.openxmlformats.org/drawingml/2006/diagram" xmlns:o="urn:schemas-microsoft-com:office:office" xmlns:v="urn:schemas-microsoft-com:vml" xmlns:pvml="urn:schemas-microsoft-com:office:powerpoint" xmlns:com="http://schemas.openxmlformats.org/drawingml/2006/compatibility" xmlns:p14="http://schemas.microsoft.com/office/powerpoint/2010/main" xmlns:p15="http://schemas.microsoft.com/office/powerpoint/2012/main" xmlns:ahyp="http://schemas.microsoft.com/office/drawing/2018/hyperlinkcolor" xmlns:go="http://customooxmlschemas.google.com/" r:id="rId14" roundtripDataSignature="AMtx7miBJBNi69eqYfBhkiwceQ0L37VVSg=="/>
     </p:ext>
   </p:extLst>
 </p:presentation>
@@ -18864,23 +18867,6 @@
             </a:pPr>
             <a:r>
               <a:rPr lang="en-US" dirty="0"/>
-              <a:t>More in-depth Input/Output</a:t>
-            </a:r>
-            <a:endParaRPr dirty="0"/>
-          </a:p>
-          <a:p>
-            <a:pPr marL="457200" lvl="0" indent="-342900" algn="l" rtl="0">
-              <a:spcBef>
-                <a:spcPts val="0"/>
-              </a:spcBef>
-              <a:spcAft>
-                <a:spcPts val="0"/>
-              </a:spcAft>
-              <a:buSzPts val="1800"/>
-              <a:buChar char="•"/>
-            </a:pPr>
-            <a:r>
-              <a:rPr lang="en-US" dirty="0"/>
               <a:t>Structures *</a:t>
             </a:r>
             <a:endParaRPr dirty="0"/>
